--- a/Examples/Data/Charts/InvertIfNegativeForIndividualSeries.pptx
+++ b/Examples/Data/Charts/InvertIfNegativeForIndividualSeries.pptx
@@ -1,6 +1,6 @@
 
 <file path=ppt/presentation.xml><?xml version="1.0" encoding="utf-8"?>
-<!--Generated by Aspose.Slides for .NET 19.5-->
+<!--Generated by Aspose.Slides for .NET 19.6-->
 <p:presentation xmlns:r="http://schemas.openxmlformats.org/officeDocument/2006/relationships" xmlns:a="http://schemas.openxmlformats.org/drawingml/2006/main" xmlns:p="http://schemas.openxmlformats.org/presentationml/2006/main" saveSubsetFonts="1">
   <p:sldMasterIdLst>
     <p:sldMasterId id="2147483648" r:id="rId1"/>
@@ -426,7 +426,7 @@
           <a:bodyPr/>
           <a:lstStyle/>
           <a:p>
-            <a:fld id="{5AFDD852-363C-4029-8F2C-2FA47C4F0016}" type="datetimeFigureOut">
+            <a:fld id="{9F70C836-24DC-4EA2-BD2B-9B091F0DFB32}" type="datetimeFigureOut">
               <a:rPr lang="en-US" smtClean="0"/>
               <a:t>11/7/2009</a:t>
             </a:fld>
@@ -590,7 +590,7 @@
           <a:bodyPr/>
           <a:lstStyle/>
           <a:p>
-            <a:fld id="{8E284C2D-7304-41E7-BA49-BC5C45D5071A}" type="datetimeFigureOut">
+            <a:fld id="{ED2E015B-DDE3-4339-B490-702881632A46}" type="datetimeFigureOut">
               <a:rPr lang="en-US" smtClean="0"/>
               <a:t>11/7/2009</a:t>
             </a:fld>
@@ -754,7 +754,7 @@
           <a:bodyPr/>
           <a:lstStyle/>
           <a:p>
-            <a:fld id="{1983FAAE-2FFF-439C-BC2E-0A72ADD5B46B}" type="datetimeFigureOut">
+            <a:fld id="{B90EAE29-9415-4C59-9E2C-D9ABE9598955}" type="datetimeFigureOut">
               <a:rPr lang="en-US" smtClean="0"/>
               <a:t>11/7/2009</a:t>
             </a:fld>
@@ -918,7 +918,7 @@
           <a:bodyPr/>
           <a:lstStyle/>
           <a:p>
-            <a:fld id="{9797D005-6D44-4B52-9129-24260D41A86E}" type="datetimeFigureOut">
+            <a:fld id="{B6FD6F89-8E19-46E3-A3C7-37FF5DDF57BE}" type="datetimeFigureOut">
               <a:rPr lang="en-US" smtClean="0"/>
               <a:t>11/7/2009</a:t>
             </a:fld>
@@ -1148,7 +1148,7 @@
           <a:bodyPr/>
           <a:lstStyle/>
           <a:p>
-            <a:fld id="{C097A1A7-7AFC-4FFF-8342-3AFBEB255239}" type="datetimeFigureOut">
+            <a:fld id="{CEFE6D3A-74AC-4635-B135-11E6AFADD2D3}" type="datetimeFigureOut">
               <a:rPr lang="en-US" smtClean="0"/>
               <a:t>11/7/2009</a:t>
             </a:fld>
@@ -1419,7 +1419,7 @@
           <a:bodyPr/>
           <a:lstStyle/>
           <a:p>
-            <a:fld id="{63DCAAEE-63E4-4C3B-B5B3-088898BC385C}" type="datetimeFigureOut">
+            <a:fld id="{9F4B25C8-04F3-4E61-B136-6FE1E17946DF}" type="datetimeFigureOut">
               <a:rPr lang="en-US" smtClean="0"/>
               <a:t>11/7/2009</a:t>
             </a:fld>
@@ -1808,7 +1808,7 @@
           <a:bodyPr/>
           <a:lstStyle/>
           <a:p>
-            <a:fld id="{DA6BE165-06DF-4A95-A4AE-190796D43876}" type="datetimeFigureOut">
+            <a:fld id="{1E5D9C14-E974-43D9-A03D-623B015291B1}" type="datetimeFigureOut">
               <a:rPr lang="en-US" smtClean="0"/>
               <a:t>11/7/2009</a:t>
             </a:fld>
@@ -1921,7 +1921,7 @@
           <a:bodyPr/>
           <a:lstStyle/>
           <a:p>
-            <a:fld id="{1635FD2C-588F-4265-9279-B81527C5C568}" type="datetimeFigureOut">
+            <a:fld id="{726DEB71-BA6B-495C-81E7-4280F4649269}" type="datetimeFigureOut">
               <a:rPr lang="en-US" smtClean="0"/>
               <a:t>11/7/2009</a:t>
             </a:fld>
@@ -2011,7 +2011,7 @@
           <a:bodyPr/>
           <a:lstStyle/>
           <a:p>
-            <a:fld id="{1D05F559-059E-4718-968A-D52829E8D317}" type="datetimeFigureOut">
+            <a:fld id="{B5B29A54-91E5-4FB7-B954-6380FB71F5CD}" type="datetimeFigureOut">
               <a:rPr lang="en-US" smtClean="0"/>
               <a:t>11/7/2009</a:t>
             </a:fld>
@@ -2266,7 +2266,7 @@
           <a:bodyPr/>
           <a:lstStyle/>
           <a:p>
-            <a:fld id="{FF136B42-5840-4F18-9A82-13C2DE91E7AC}" type="datetimeFigureOut">
+            <a:fld id="{C52075EC-37E9-49F5-AEA3-B4D214765F57}" type="datetimeFigureOut">
               <a:rPr lang="en-US" smtClean="0"/>
               <a:t>11/7/2009</a:t>
             </a:fld>
@@ -2498,7 +2498,7 @@
           <a:bodyPr/>
           <a:lstStyle/>
           <a:p>
-            <a:fld id="{7B8929F9-1DB9-4C60-818C-4CDA36B16C02}" type="datetimeFigureOut">
+            <a:fld id="{A4366105-4A72-4108-AC10-B9D18F6BFD3E}" type="datetimeFigureOut">
               <a:rPr lang="en-US" smtClean="0"/>
               <a:t>11/7/2009</a:t>
             </a:fld>
@@ -3093,77 +3093,6 @@
           </a:graphicData>
         </a:graphic>
       </p:graphicFrame>
-      <p:sp>
-        <p:nvSpPr>
-          <p:cNvPr id="3" name="TextBox"/>
-          <p:cNvSpPr txBox="1">
-            <a:spLocks noGrp="1" noSelect="1" noRot="1" noMove="1"/>
-          </p:cNvSpPr>
-          <p:nvPr/>
-        </p:nvSpPr>
-        <p:spPr>
-          <a:xfrm>
-            <a:off x="1366520" y="2644140"/>
-            <a:ext cx="6411372" cy="1569660"/>
-          </a:xfrm>
-          <a:prstGeom prst="rect">
-            <a:avLst/>
-          </a:prstGeom>
-          <a:noFill/>
-        </p:spPr>
-        <p:txBody>
-          <a:bodyPr wrap="none" rtlCol="0" anchor="ctr" anchorCtr="1">
-            <a:spAutoFit/>
-          </a:bodyPr>
-          <a:lstStyle>
-            <a:lvl1pPr algn="l">
-              <a:lnSpc>
-                <a:spcPct val="150000"/>
-              </a:lnSpc>
-              <a:spcBef>
-                <a:spcPct val="0"/>
-              </a:spcBef>
-              <a:spcAft>
-                <a:spcPct val="0"/>
-              </a:spcAft>
-              <a:defRPr lang="en-US" sz="3200" b="1" noProof="1" dirty="0">
-                <a:solidFill>
-                  <a:prstClr val="red">
-                    <a:lumOff val="30000"/>
-                    <a:alpha val="40000"/>
-                  </a:prstClr>
-                </a:solidFill>
-                <a:effectLst>
-                  <a:outerShdw blurRad="50800" dist="38100" algn="tr" rotWithShape="0">
-                    <a:prstClr val="black">
-                      <a:alpha val="80000"/>
-                    </a:prstClr>
-                  </a:outerShdw>
-                </a:effectLst>
-                <a:latin typeface="Calibri" pitchFamily="34" charset="0"/>
-              </a:defRPr>
-            </a:lvl1pPr>
-          </a:lstStyle>
-          <a:p>
-            <a:pPr algn="ctr"/>
-            <a:r>
-              <a:t>Evaluation only.</a:t>
-            </a:r>
-          </a:p>
-          <a:p>
-            <a:pPr algn="ctr"/>
-            <a:r>
-              <a:t>Created with Aspose.Slides for .NET 4.0 Client Profile 19.5.</a:t>
-            </a:r>
-          </a:p>
-          <a:p>
-            <a:pPr algn="ctr"/>
-            <a:r>
-              <a:t>Copyright 2004-2019Aspose Pty Ltd.</a:t>
-            </a:r>
-          </a:p>
-        </p:txBody>
-      </p:sp>
     </p:spTree>
   </p:cSld>
   <p:clrMapOvr>
@@ -3178,9 +3107,9 @@
 <p:tagLst xmlns:p="http://schemas.openxmlformats.org/presentationml/2006/main">
   <p:tag name="AS_NET" val="4.0.30319.42000"/>
   <p:tag name="AS_OS" val="Microsoft Windows NT 6.2.9200.0"/>
-  <p:tag name="AS_RELEASE_DATE" val="2019.05.17"/>
+  <p:tag name="AS_RELEASE_DATE" val="2019.06.14"/>
   <p:tag name="AS_TITLE" val="Aspose.Slides for .NET 4.0 Client Profile"/>
-  <p:tag name="AS_VERSION" val="19.5"/>
+  <p:tag name="AS_VERSION" val="19.6"/>
 </p:tagLst>
 </file>
 

--- a/Examples/Data/Charts/InvertIfNegativeForIndividualSeries.pptx
+++ b/Examples/Data/Charts/InvertIfNegativeForIndividualSeries.pptx
@@ -1,6 +1,6 @@
 
 <file path=ppt/presentation.xml><?xml version="1.0" encoding="utf-8"?>
-<!--Generated by Aspose.Slides for .NET 19.6-->
+<!--Generated by Aspose.Slides for .NET 21.12-->
 <p:presentation xmlns:r="http://schemas.openxmlformats.org/officeDocument/2006/relationships" xmlns:a="http://schemas.openxmlformats.org/drawingml/2006/main" xmlns:p="http://schemas.openxmlformats.org/presentationml/2006/main" saveSubsetFonts="1">
   <p:sldMasterIdLst>
     <p:sldMasterId id="2147483648" r:id="rId1"/>
@@ -112,7 +112,7 @@
 </file>
 
 <file path=ppt/charts/chart1.xml><?xml version="1.0" encoding="utf-8"?>
-<c:chartSpace xmlns:a="http://schemas.openxmlformats.org/drawingml/2006/main" xmlns:r="http://schemas.openxmlformats.org/officeDocument/2006/relationships" xmlns:c="http://schemas.openxmlformats.org/drawingml/2006/chart">
+<c:chartSpace xmlns:a="http://schemas.openxmlformats.org/drawingml/2006/main" xmlns:r="http://schemas.openxmlformats.org/officeDocument/2006/relationships" xmlns:m="http://schemas.openxmlformats.org/officeDocument/2006/math" xmlns:w="http://schemas.openxmlformats.org/wordprocessingml/2006/main" xmlns:wp="http://schemas.openxmlformats.org/drawingml/2006/wordprocessingDrawing" xmlns:a14="http://schemas.microsoft.com/office/drawing/2010/main" xmlns:c="http://schemas.openxmlformats.org/drawingml/2006/chart">
   <c:date1904 val="0"/>
   <c:lang val="ru-RU"/>
   <c:roundedCorners val="0"/>
@@ -260,11 +260,11 @@
 </file>
 
 <file path=ppt/slideLayouts/slideLayout1.xml><?xml version="1.0" encoding="utf-8"?>
-<p:sldLayout xmlns:a="http://schemas.openxmlformats.org/drawingml/2006/main" xmlns:r="http://schemas.openxmlformats.org/officeDocument/2006/relationships" xmlns:p14="http://schemas.microsoft.com/office/powerpoint/2010/main" xmlns:a14="http://schemas.microsoft.com/office/drawing/2010/main" xmlns:p15="http://schemas.microsoft.com/office/powerpoint/2012/main" xmlns:p159="http://schemas.microsoft.com/office/powerpoint/2015/09/main" xmlns:p="http://schemas.openxmlformats.org/presentationml/2006/main" type="title" preserve="1">
+<p:sldLayout xmlns:a="http://schemas.openxmlformats.org/drawingml/2006/main" xmlns:r="http://schemas.openxmlformats.org/officeDocument/2006/relationships" xmlns:m="http://schemas.openxmlformats.org/officeDocument/2006/math" xmlns:w="http://schemas.openxmlformats.org/wordprocessingml/2006/main" xmlns:wp="http://schemas.openxmlformats.org/drawingml/2006/wordprocessingDrawing" xmlns:a14="http://schemas.microsoft.com/office/drawing/2010/main" xmlns:mc="http://schemas.openxmlformats.org/markup-compatibility/2006" xmlns:p14="http://schemas.microsoft.com/office/powerpoint/2010/main" xmlns:p15="http://schemas.microsoft.com/office/powerpoint/2012/main" xmlns:p159="http://schemas.microsoft.com/office/powerpoint/2015/09/main" xmlns:p="http://schemas.openxmlformats.org/presentationml/2006/main" type="title" preserve="1">
   <p:cSld name="Title Slide">
     <p:spTree>
       <p:nvGrpSpPr>
-        <p:cNvPr id="1" name=""/>
+        <p:cNvPr id="1" name="" title=""/>
         <p:cNvGrpSpPr/>
         <p:nvPr/>
       </p:nvGrpSpPr>
@@ -276,7 +276,7 @@
       </p:grpSpPr>
       <p:sp>
         <p:nvSpPr>
-          <p:cNvPr id="2" name="Title 1"/>
+          <p:cNvPr id="2" name="Title 1" title=""/>
           <p:cNvSpPr>
             <a:spLocks noGrp="1"/>
           </p:cNvSpPr>
@@ -299,7 +299,7 @@
       </p:sp>
       <p:sp>
         <p:nvSpPr>
-          <p:cNvPr id="3" name="Subtitle 2"/>
+          <p:cNvPr id="3" name="Subtitle 2" title=""/>
           <p:cNvSpPr>
             <a:spLocks noGrp="1"/>
           </p:cNvSpPr>
@@ -413,7 +413,7 @@
       </p:sp>
       <p:sp>
         <p:nvSpPr>
-          <p:cNvPr id="4" name="Date Placeholder 3"/>
+          <p:cNvPr id="4" name="Date Placeholder 3" title=""/>
           <p:cNvSpPr>
             <a:spLocks noGrp="1"/>
           </p:cNvSpPr>
@@ -426,7 +426,7 @@
           <a:bodyPr/>
           <a:lstStyle/>
           <a:p>
-            <a:fld id="{9F70C836-24DC-4EA2-BD2B-9B091F0DFB32}" type="datetimeFigureOut">
+            <a:fld id="{0822F5A7-6400-4A52-9852-94FF9D134AE2}" type="datetimeFigureOut">
               <a:rPr lang="en-US" smtClean="0"/>
               <a:t>11/7/2009</a:t>
             </a:fld>
@@ -436,7 +436,7 @@
       </p:sp>
       <p:sp>
         <p:nvSpPr>
-          <p:cNvPr id="5" name="Footer Placeholder 4"/>
+          <p:cNvPr id="5" name="Footer Placeholder 4" title=""/>
           <p:cNvSpPr>
             <a:spLocks noGrp="1"/>
           </p:cNvSpPr>
@@ -455,7 +455,7 @@
       </p:sp>
       <p:sp>
         <p:nvSpPr>
-          <p:cNvPr id="6" name="Slide Number Placeholder 5"/>
+          <p:cNvPr id="6" name="Slide Number Placeholder 5" title=""/>
           <p:cNvSpPr>
             <a:spLocks noGrp="1"/>
           </p:cNvSpPr>
@@ -487,11 +487,11 @@
 </file>
 
 <file path=ppt/slideLayouts/slideLayout10.xml><?xml version="1.0" encoding="utf-8"?>
-<p:sldLayout xmlns:a="http://schemas.openxmlformats.org/drawingml/2006/main" xmlns:r="http://schemas.openxmlformats.org/officeDocument/2006/relationships" xmlns:p14="http://schemas.microsoft.com/office/powerpoint/2010/main" xmlns:a14="http://schemas.microsoft.com/office/drawing/2010/main" xmlns:p15="http://schemas.microsoft.com/office/powerpoint/2012/main" xmlns:p159="http://schemas.microsoft.com/office/powerpoint/2015/09/main" xmlns:p="http://schemas.openxmlformats.org/presentationml/2006/main" type="vertTx" preserve="1">
+<p:sldLayout xmlns:a="http://schemas.openxmlformats.org/drawingml/2006/main" xmlns:r="http://schemas.openxmlformats.org/officeDocument/2006/relationships" xmlns:m="http://schemas.openxmlformats.org/officeDocument/2006/math" xmlns:w="http://schemas.openxmlformats.org/wordprocessingml/2006/main" xmlns:wp="http://schemas.openxmlformats.org/drawingml/2006/wordprocessingDrawing" xmlns:a14="http://schemas.microsoft.com/office/drawing/2010/main" xmlns:mc="http://schemas.openxmlformats.org/markup-compatibility/2006" xmlns:p14="http://schemas.microsoft.com/office/powerpoint/2010/main" xmlns:p15="http://schemas.microsoft.com/office/powerpoint/2012/main" xmlns:p159="http://schemas.microsoft.com/office/powerpoint/2015/09/main" xmlns:p="http://schemas.openxmlformats.org/presentationml/2006/main" type="vertTx" preserve="1">
   <p:cSld name="Title and Vertical Text">
     <p:spTree>
       <p:nvGrpSpPr>
-        <p:cNvPr id="1" name=""/>
+        <p:cNvPr id="1" name="" title=""/>
         <p:cNvGrpSpPr/>
         <p:nvPr/>
       </p:nvGrpSpPr>
@@ -503,7 +503,7 @@
       </p:grpSpPr>
       <p:sp>
         <p:nvSpPr>
-          <p:cNvPr id="2" name="Title 1"/>
+          <p:cNvPr id="2" name="Title 1" title=""/>
           <p:cNvSpPr>
             <a:spLocks noGrp="1"/>
           </p:cNvSpPr>
@@ -526,7 +526,7 @@
       </p:sp>
       <p:sp>
         <p:nvSpPr>
-          <p:cNvPr id="3" name="Vertical Text Placeholder 2"/>
+          <p:cNvPr id="3" name="Vertical Text Placeholder 2" title=""/>
           <p:cNvSpPr>
             <a:spLocks noGrp="1"/>
           </p:cNvSpPr>
@@ -577,7 +577,7 @@
       </p:sp>
       <p:sp>
         <p:nvSpPr>
-          <p:cNvPr id="4" name="Date Placeholder 3"/>
+          <p:cNvPr id="4" name="Date Placeholder 3" title=""/>
           <p:cNvSpPr>
             <a:spLocks noGrp="1"/>
           </p:cNvSpPr>
@@ -590,7 +590,7 @@
           <a:bodyPr/>
           <a:lstStyle/>
           <a:p>
-            <a:fld id="{ED2E015B-DDE3-4339-B490-702881632A46}" type="datetimeFigureOut">
+            <a:fld id="{B059785D-CE64-48CC-ACB1-D8BCCD17A77A}" type="datetimeFigureOut">
               <a:rPr lang="en-US" smtClean="0"/>
               <a:t>11/7/2009</a:t>
             </a:fld>
@@ -600,7 +600,7 @@
       </p:sp>
       <p:sp>
         <p:nvSpPr>
-          <p:cNvPr id="5" name="Footer Placeholder 4"/>
+          <p:cNvPr id="5" name="Footer Placeholder 4" title=""/>
           <p:cNvSpPr>
             <a:spLocks noGrp="1"/>
           </p:cNvSpPr>
@@ -619,7 +619,7 @@
       </p:sp>
       <p:sp>
         <p:nvSpPr>
-          <p:cNvPr id="6" name="Slide Number Placeholder 5"/>
+          <p:cNvPr id="6" name="Slide Number Placeholder 5" title=""/>
           <p:cNvSpPr>
             <a:spLocks noGrp="1"/>
           </p:cNvSpPr>
@@ -651,11 +651,11 @@
 </file>
 
 <file path=ppt/slideLayouts/slideLayout11.xml><?xml version="1.0" encoding="utf-8"?>
-<p:sldLayout xmlns:a="http://schemas.openxmlformats.org/drawingml/2006/main" xmlns:r="http://schemas.openxmlformats.org/officeDocument/2006/relationships" xmlns:p14="http://schemas.microsoft.com/office/powerpoint/2010/main" xmlns:a14="http://schemas.microsoft.com/office/drawing/2010/main" xmlns:p15="http://schemas.microsoft.com/office/powerpoint/2012/main" xmlns:p159="http://schemas.microsoft.com/office/powerpoint/2015/09/main" xmlns:p="http://schemas.openxmlformats.org/presentationml/2006/main" type="vertTitleAndTx" preserve="1">
+<p:sldLayout xmlns:a="http://schemas.openxmlformats.org/drawingml/2006/main" xmlns:r="http://schemas.openxmlformats.org/officeDocument/2006/relationships" xmlns:m="http://schemas.openxmlformats.org/officeDocument/2006/math" xmlns:w="http://schemas.openxmlformats.org/wordprocessingml/2006/main" xmlns:wp="http://schemas.openxmlformats.org/drawingml/2006/wordprocessingDrawing" xmlns:a14="http://schemas.microsoft.com/office/drawing/2010/main" xmlns:mc="http://schemas.openxmlformats.org/markup-compatibility/2006" xmlns:p14="http://schemas.microsoft.com/office/powerpoint/2010/main" xmlns:p15="http://schemas.microsoft.com/office/powerpoint/2012/main" xmlns:p159="http://schemas.microsoft.com/office/powerpoint/2015/09/main" xmlns:p="http://schemas.openxmlformats.org/presentationml/2006/main" type="vertTitleAndTx" preserve="1">
   <p:cSld name="Vertical Title and Text">
     <p:spTree>
       <p:nvGrpSpPr>
-        <p:cNvPr id="1" name=""/>
+        <p:cNvPr id="1" name="" title=""/>
         <p:cNvGrpSpPr/>
         <p:nvPr/>
       </p:nvGrpSpPr>
@@ -667,7 +667,7 @@
       </p:grpSpPr>
       <p:sp>
         <p:nvSpPr>
-          <p:cNvPr id="2" name="Vertical Title 1"/>
+          <p:cNvPr id="2" name="Vertical Title 1" title=""/>
           <p:cNvSpPr>
             <a:spLocks noGrp="1"/>
           </p:cNvSpPr>
@@ -690,7 +690,7 @@
       </p:sp>
       <p:sp>
         <p:nvSpPr>
-          <p:cNvPr id="3" name="Vertical Text Placeholder 2"/>
+          <p:cNvPr id="3" name="Vertical Text Placeholder 2" title=""/>
           <p:cNvSpPr>
             <a:spLocks noGrp="1"/>
           </p:cNvSpPr>
@@ -741,7 +741,7 @@
       </p:sp>
       <p:sp>
         <p:nvSpPr>
-          <p:cNvPr id="4" name="Date Placeholder 3"/>
+          <p:cNvPr id="4" name="Date Placeholder 3" title=""/>
           <p:cNvSpPr>
             <a:spLocks noGrp="1"/>
           </p:cNvSpPr>
@@ -754,7 +754,7 @@
           <a:bodyPr/>
           <a:lstStyle/>
           <a:p>
-            <a:fld id="{B90EAE29-9415-4C59-9E2C-D9ABE9598955}" type="datetimeFigureOut">
+            <a:fld id="{7C600DC6-5E3B-463A-B52C-26A3283E5418}" type="datetimeFigureOut">
               <a:rPr lang="en-US" smtClean="0"/>
               <a:t>11/7/2009</a:t>
             </a:fld>
@@ -764,7 +764,7 @@
       </p:sp>
       <p:sp>
         <p:nvSpPr>
-          <p:cNvPr id="5" name="Footer Placeholder 4"/>
+          <p:cNvPr id="5" name="Footer Placeholder 4" title=""/>
           <p:cNvSpPr>
             <a:spLocks noGrp="1"/>
           </p:cNvSpPr>
@@ -783,7 +783,7 @@
       </p:sp>
       <p:sp>
         <p:nvSpPr>
-          <p:cNvPr id="6" name="Slide Number Placeholder 5"/>
+          <p:cNvPr id="6" name="Slide Number Placeholder 5" title=""/>
           <p:cNvSpPr>
             <a:spLocks noGrp="1"/>
           </p:cNvSpPr>
@@ -815,11 +815,11 @@
 </file>
 
 <file path=ppt/slideLayouts/slideLayout2.xml><?xml version="1.0" encoding="utf-8"?>
-<p:sldLayout xmlns:a="http://schemas.openxmlformats.org/drawingml/2006/main" xmlns:r="http://schemas.openxmlformats.org/officeDocument/2006/relationships" xmlns:p14="http://schemas.microsoft.com/office/powerpoint/2010/main" xmlns:a14="http://schemas.microsoft.com/office/drawing/2010/main" xmlns:p15="http://schemas.microsoft.com/office/powerpoint/2012/main" xmlns:p159="http://schemas.microsoft.com/office/powerpoint/2015/09/main" xmlns:p="http://schemas.openxmlformats.org/presentationml/2006/main" type="obj" preserve="1">
+<p:sldLayout xmlns:a="http://schemas.openxmlformats.org/drawingml/2006/main" xmlns:r="http://schemas.openxmlformats.org/officeDocument/2006/relationships" xmlns:m="http://schemas.openxmlformats.org/officeDocument/2006/math" xmlns:w="http://schemas.openxmlformats.org/wordprocessingml/2006/main" xmlns:wp="http://schemas.openxmlformats.org/drawingml/2006/wordprocessingDrawing" xmlns:a14="http://schemas.microsoft.com/office/drawing/2010/main" xmlns:mc="http://schemas.openxmlformats.org/markup-compatibility/2006" xmlns:p14="http://schemas.microsoft.com/office/powerpoint/2010/main" xmlns:p15="http://schemas.microsoft.com/office/powerpoint/2012/main" xmlns:p159="http://schemas.microsoft.com/office/powerpoint/2015/09/main" xmlns:p="http://schemas.openxmlformats.org/presentationml/2006/main" type="obj" preserve="1">
   <p:cSld name="Title and Content">
     <p:spTree>
       <p:nvGrpSpPr>
-        <p:cNvPr id="1" name=""/>
+        <p:cNvPr id="1" name="" title=""/>
         <p:cNvGrpSpPr/>
         <p:nvPr/>
       </p:nvGrpSpPr>
@@ -831,7 +831,7 @@
       </p:grpSpPr>
       <p:sp>
         <p:nvSpPr>
-          <p:cNvPr id="2" name="Title 1"/>
+          <p:cNvPr id="2" name="Title 1" title=""/>
           <p:cNvSpPr>
             <a:spLocks noGrp="1"/>
           </p:cNvSpPr>
@@ -854,7 +854,7 @@
       </p:sp>
       <p:sp>
         <p:nvSpPr>
-          <p:cNvPr id="3" name="Content Placeholder 2"/>
+          <p:cNvPr id="3" name="Content Placeholder 2" title=""/>
           <p:cNvSpPr>
             <a:spLocks noGrp="1"/>
           </p:cNvSpPr>
@@ -905,7 +905,7 @@
       </p:sp>
       <p:sp>
         <p:nvSpPr>
-          <p:cNvPr id="4" name="Date Placeholder 3"/>
+          <p:cNvPr id="4" name="Date Placeholder 3" title=""/>
           <p:cNvSpPr>
             <a:spLocks noGrp="1"/>
           </p:cNvSpPr>
@@ -918,7 +918,7 @@
           <a:bodyPr/>
           <a:lstStyle/>
           <a:p>
-            <a:fld id="{B6FD6F89-8E19-46E3-A3C7-37FF5DDF57BE}" type="datetimeFigureOut">
+            <a:fld id="{84447861-157A-4521-9F32-EB07A290F940}" type="datetimeFigureOut">
               <a:rPr lang="en-US" smtClean="0"/>
               <a:t>11/7/2009</a:t>
             </a:fld>
@@ -928,7 +928,7 @@
       </p:sp>
       <p:sp>
         <p:nvSpPr>
-          <p:cNvPr id="5" name="Footer Placeholder 4"/>
+          <p:cNvPr id="5" name="Footer Placeholder 4" title=""/>
           <p:cNvSpPr>
             <a:spLocks noGrp="1"/>
           </p:cNvSpPr>
@@ -947,7 +947,7 @@
       </p:sp>
       <p:sp>
         <p:nvSpPr>
-          <p:cNvPr id="6" name="Slide Number Placeholder 5"/>
+          <p:cNvPr id="6" name="Slide Number Placeholder 5" title=""/>
           <p:cNvSpPr>
             <a:spLocks noGrp="1"/>
           </p:cNvSpPr>
@@ -979,11 +979,11 @@
 </file>
 
 <file path=ppt/slideLayouts/slideLayout3.xml><?xml version="1.0" encoding="utf-8"?>
-<p:sldLayout xmlns:a="http://schemas.openxmlformats.org/drawingml/2006/main" xmlns:r="http://schemas.openxmlformats.org/officeDocument/2006/relationships" xmlns:p14="http://schemas.microsoft.com/office/powerpoint/2010/main" xmlns:a14="http://schemas.microsoft.com/office/drawing/2010/main" xmlns:p15="http://schemas.microsoft.com/office/powerpoint/2012/main" xmlns:p159="http://schemas.microsoft.com/office/powerpoint/2015/09/main" xmlns:p="http://schemas.openxmlformats.org/presentationml/2006/main" type="secHead" preserve="1">
+<p:sldLayout xmlns:a="http://schemas.openxmlformats.org/drawingml/2006/main" xmlns:r="http://schemas.openxmlformats.org/officeDocument/2006/relationships" xmlns:m="http://schemas.openxmlformats.org/officeDocument/2006/math" xmlns:w="http://schemas.openxmlformats.org/wordprocessingml/2006/main" xmlns:wp="http://schemas.openxmlformats.org/drawingml/2006/wordprocessingDrawing" xmlns:a14="http://schemas.microsoft.com/office/drawing/2010/main" xmlns:mc="http://schemas.openxmlformats.org/markup-compatibility/2006" xmlns:p14="http://schemas.microsoft.com/office/powerpoint/2010/main" xmlns:p15="http://schemas.microsoft.com/office/powerpoint/2012/main" xmlns:p159="http://schemas.microsoft.com/office/powerpoint/2015/09/main" xmlns:p="http://schemas.openxmlformats.org/presentationml/2006/main" type="secHead" preserve="1">
   <p:cSld name="Section Header">
     <p:spTree>
       <p:nvGrpSpPr>
-        <p:cNvPr id="1" name=""/>
+        <p:cNvPr id="1" name="" title=""/>
         <p:cNvGrpSpPr/>
         <p:nvPr/>
       </p:nvGrpSpPr>
@@ -995,7 +995,7 @@
       </p:grpSpPr>
       <p:sp>
         <p:nvSpPr>
-          <p:cNvPr id="2" name="Title 1"/>
+          <p:cNvPr id="2" name="Title 1" title=""/>
           <p:cNvSpPr>
             <a:spLocks noGrp="1"/>
           </p:cNvSpPr>
@@ -1022,7 +1022,7 @@
       </p:sp>
       <p:sp>
         <p:nvSpPr>
-          <p:cNvPr id="3" name="Text Placeholder 2"/>
+          <p:cNvPr id="3" name="Text Placeholder 2" title=""/>
           <p:cNvSpPr>
             <a:spLocks noGrp="1"/>
           </p:cNvSpPr>
@@ -1135,7 +1135,7 @@
       </p:sp>
       <p:sp>
         <p:nvSpPr>
-          <p:cNvPr id="4" name="Date Placeholder 3"/>
+          <p:cNvPr id="4" name="Date Placeholder 3" title=""/>
           <p:cNvSpPr>
             <a:spLocks noGrp="1"/>
           </p:cNvSpPr>
@@ -1148,7 +1148,7 @@
           <a:bodyPr/>
           <a:lstStyle/>
           <a:p>
-            <a:fld id="{CEFE6D3A-74AC-4635-B135-11E6AFADD2D3}" type="datetimeFigureOut">
+            <a:fld id="{F4721E13-97BB-440B-B3EC-FD69056F0CC7}" type="datetimeFigureOut">
               <a:rPr lang="en-US" smtClean="0"/>
               <a:t>11/7/2009</a:t>
             </a:fld>
@@ -1158,7 +1158,7 @@
       </p:sp>
       <p:sp>
         <p:nvSpPr>
-          <p:cNvPr id="5" name="Footer Placeholder 4"/>
+          <p:cNvPr id="5" name="Footer Placeholder 4" title=""/>
           <p:cNvSpPr>
             <a:spLocks noGrp="1"/>
           </p:cNvSpPr>
@@ -1177,7 +1177,7 @@
       </p:sp>
       <p:sp>
         <p:nvSpPr>
-          <p:cNvPr id="6" name="Slide Number Placeholder 5"/>
+          <p:cNvPr id="6" name="Slide Number Placeholder 5" title=""/>
           <p:cNvSpPr>
             <a:spLocks noGrp="1"/>
           </p:cNvSpPr>
@@ -1209,11 +1209,11 @@
 </file>
 
 <file path=ppt/slideLayouts/slideLayout4.xml><?xml version="1.0" encoding="utf-8"?>
-<p:sldLayout xmlns:a="http://schemas.openxmlformats.org/drawingml/2006/main" xmlns:r="http://schemas.openxmlformats.org/officeDocument/2006/relationships" xmlns:p14="http://schemas.microsoft.com/office/powerpoint/2010/main" xmlns:a14="http://schemas.microsoft.com/office/drawing/2010/main" xmlns:p15="http://schemas.microsoft.com/office/powerpoint/2012/main" xmlns:p159="http://schemas.microsoft.com/office/powerpoint/2015/09/main" xmlns:p="http://schemas.openxmlformats.org/presentationml/2006/main" type="twoObj" preserve="1">
+<p:sldLayout xmlns:a="http://schemas.openxmlformats.org/drawingml/2006/main" xmlns:r="http://schemas.openxmlformats.org/officeDocument/2006/relationships" xmlns:m="http://schemas.openxmlformats.org/officeDocument/2006/math" xmlns:w="http://schemas.openxmlformats.org/wordprocessingml/2006/main" xmlns:wp="http://schemas.openxmlformats.org/drawingml/2006/wordprocessingDrawing" xmlns:a14="http://schemas.microsoft.com/office/drawing/2010/main" xmlns:mc="http://schemas.openxmlformats.org/markup-compatibility/2006" xmlns:p14="http://schemas.microsoft.com/office/powerpoint/2010/main" xmlns:p15="http://schemas.microsoft.com/office/powerpoint/2012/main" xmlns:p159="http://schemas.microsoft.com/office/powerpoint/2015/09/main" xmlns:p="http://schemas.openxmlformats.org/presentationml/2006/main" type="twoObj" preserve="1">
   <p:cSld name="Two Content">
     <p:spTree>
       <p:nvGrpSpPr>
-        <p:cNvPr id="1" name=""/>
+        <p:cNvPr id="1" name="" title=""/>
         <p:cNvGrpSpPr/>
         <p:nvPr/>
       </p:nvGrpSpPr>
@@ -1225,7 +1225,7 @@
       </p:grpSpPr>
       <p:sp>
         <p:nvSpPr>
-          <p:cNvPr id="2" name="Title 1"/>
+          <p:cNvPr id="2" name="Title 1" title=""/>
           <p:cNvSpPr>
             <a:spLocks noGrp="1"/>
           </p:cNvSpPr>
@@ -1248,7 +1248,7 @@
       </p:sp>
       <p:sp>
         <p:nvSpPr>
-          <p:cNvPr id="3" name="Content Placeholder 2"/>
+          <p:cNvPr id="3" name="Content Placeholder 2" title=""/>
           <p:cNvSpPr>
             <a:spLocks noGrp="1"/>
           </p:cNvSpPr>
@@ -1327,7 +1327,7 @@
       </p:sp>
       <p:sp>
         <p:nvSpPr>
-          <p:cNvPr id="4" name="Content Placeholder 3"/>
+          <p:cNvPr id="4" name="Content Placeholder 3" title=""/>
           <p:cNvSpPr>
             <a:spLocks noGrp="1"/>
           </p:cNvSpPr>
@@ -1406,7 +1406,7 @@
       </p:sp>
       <p:sp>
         <p:nvSpPr>
-          <p:cNvPr id="5" name="Date Placeholder 4"/>
+          <p:cNvPr id="5" name="Date Placeholder 4" title=""/>
           <p:cNvSpPr>
             <a:spLocks noGrp="1"/>
           </p:cNvSpPr>
@@ -1419,7 +1419,7 @@
           <a:bodyPr/>
           <a:lstStyle/>
           <a:p>
-            <a:fld id="{9F4B25C8-04F3-4E61-B136-6FE1E17946DF}" type="datetimeFigureOut">
+            <a:fld id="{07D397A9-51A0-4BCC-AFDC-BA76B42A6128}" type="datetimeFigureOut">
               <a:rPr lang="en-US" smtClean="0"/>
               <a:t>11/7/2009</a:t>
             </a:fld>
@@ -1429,7 +1429,7 @@
       </p:sp>
       <p:sp>
         <p:nvSpPr>
-          <p:cNvPr id="6" name="Footer Placeholder 5"/>
+          <p:cNvPr id="6" name="Footer Placeholder 5" title=""/>
           <p:cNvSpPr>
             <a:spLocks noGrp="1"/>
           </p:cNvSpPr>
@@ -1448,7 +1448,7 @@
       </p:sp>
       <p:sp>
         <p:nvSpPr>
-          <p:cNvPr id="7" name="Slide Number Placeholder 6"/>
+          <p:cNvPr id="7" name="Slide Number Placeholder 6" title=""/>
           <p:cNvSpPr>
             <a:spLocks noGrp="1"/>
           </p:cNvSpPr>
@@ -1480,11 +1480,11 @@
 </file>
 
 <file path=ppt/slideLayouts/slideLayout5.xml><?xml version="1.0" encoding="utf-8"?>
-<p:sldLayout xmlns:a="http://schemas.openxmlformats.org/drawingml/2006/main" xmlns:r="http://schemas.openxmlformats.org/officeDocument/2006/relationships" xmlns:p14="http://schemas.microsoft.com/office/powerpoint/2010/main" xmlns:a14="http://schemas.microsoft.com/office/drawing/2010/main" xmlns:p15="http://schemas.microsoft.com/office/powerpoint/2012/main" xmlns:p159="http://schemas.microsoft.com/office/powerpoint/2015/09/main" xmlns:p="http://schemas.openxmlformats.org/presentationml/2006/main" type="twoTxTwoObj" preserve="1">
+<p:sldLayout xmlns:a="http://schemas.openxmlformats.org/drawingml/2006/main" xmlns:r="http://schemas.openxmlformats.org/officeDocument/2006/relationships" xmlns:m="http://schemas.openxmlformats.org/officeDocument/2006/math" xmlns:w="http://schemas.openxmlformats.org/wordprocessingml/2006/main" xmlns:wp="http://schemas.openxmlformats.org/drawingml/2006/wordprocessingDrawing" xmlns:a14="http://schemas.microsoft.com/office/drawing/2010/main" xmlns:mc="http://schemas.openxmlformats.org/markup-compatibility/2006" xmlns:p14="http://schemas.microsoft.com/office/powerpoint/2010/main" xmlns:p15="http://schemas.microsoft.com/office/powerpoint/2012/main" xmlns:p159="http://schemas.microsoft.com/office/powerpoint/2015/09/main" xmlns:p="http://schemas.openxmlformats.org/presentationml/2006/main" type="twoTxTwoObj" preserve="1">
   <p:cSld name="Comparison">
     <p:spTree>
       <p:nvGrpSpPr>
-        <p:cNvPr id="1" name=""/>
+        <p:cNvPr id="1" name="" title=""/>
         <p:cNvGrpSpPr/>
         <p:nvPr/>
       </p:nvGrpSpPr>
@@ -1496,7 +1496,7 @@
       </p:grpSpPr>
       <p:sp>
         <p:nvSpPr>
-          <p:cNvPr id="2" name="Title 1"/>
+          <p:cNvPr id="2" name="Title 1" title=""/>
           <p:cNvSpPr>
             <a:spLocks noGrp="1"/>
           </p:cNvSpPr>
@@ -1519,7 +1519,7 @@
       </p:sp>
       <p:sp>
         <p:nvSpPr>
-          <p:cNvPr id="3" name="Text Placeholder 2"/>
+          <p:cNvPr id="3" name="Text Placeholder 2" title=""/>
           <p:cNvSpPr>
             <a:spLocks noGrp="1"/>
           </p:cNvSpPr>
@@ -1578,7 +1578,7 @@
       </p:sp>
       <p:sp>
         <p:nvSpPr>
-          <p:cNvPr id="4" name="Content Placeholder 3"/>
+          <p:cNvPr id="4" name="Content Placeholder 3" title=""/>
           <p:cNvSpPr>
             <a:spLocks noGrp="1"/>
           </p:cNvSpPr>
@@ -1657,7 +1657,7 @@
       </p:sp>
       <p:sp>
         <p:nvSpPr>
-          <p:cNvPr id="5" name="Text Placeholder 4"/>
+          <p:cNvPr id="5" name="Text Placeholder 4" title=""/>
           <p:cNvSpPr>
             <a:spLocks noGrp="1"/>
           </p:cNvSpPr>
@@ -1716,7 +1716,7 @@
       </p:sp>
       <p:sp>
         <p:nvSpPr>
-          <p:cNvPr id="6" name="Content Placeholder 5"/>
+          <p:cNvPr id="6" name="Content Placeholder 5" title=""/>
           <p:cNvSpPr>
             <a:spLocks noGrp="1"/>
           </p:cNvSpPr>
@@ -1795,7 +1795,7 @@
       </p:sp>
       <p:sp>
         <p:nvSpPr>
-          <p:cNvPr id="7" name="Date Placeholder 6"/>
+          <p:cNvPr id="7" name="Date Placeholder 6" title=""/>
           <p:cNvSpPr>
             <a:spLocks noGrp="1"/>
           </p:cNvSpPr>
@@ -1808,7 +1808,7 @@
           <a:bodyPr/>
           <a:lstStyle/>
           <a:p>
-            <a:fld id="{1E5D9C14-E974-43D9-A03D-623B015291B1}" type="datetimeFigureOut">
+            <a:fld id="{48F742E6-C3B2-44F8-BA21-7B1AE41AEB90}" type="datetimeFigureOut">
               <a:rPr lang="en-US" smtClean="0"/>
               <a:t>11/7/2009</a:t>
             </a:fld>
@@ -1818,7 +1818,7 @@
       </p:sp>
       <p:sp>
         <p:nvSpPr>
-          <p:cNvPr id="8" name="Footer Placeholder 7"/>
+          <p:cNvPr id="8" name="Footer Placeholder 7" title=""/>
           <p:cNvSpPr>
             <a:spLocks noGrp="1"/>
           </p:cNvSpPr>
@@ -1837,7 +1837,7 @@
       </p:sp>
       <p:sp>
         <p:nvSpPr>
-          <p:cNvPr id="9" name="Slide Number Placeholder 8"/>
+          <p:cNvPr id="9" name="Slide Number Placeholder 8" title=""/>
           <p:cNvSpPr>
             <a:spLocks noGrp="1"/>
           </p:cNvSpPr>
@@ -1869,11 +1869,11 @@
 </file>
 
 <file path=ppt/slideLayouts/slideLayout6.xml><?xml version="1.0" encoding="utf-8"?>
-<p:sldLayout xmlns:a="http://schemas.openxmlformats.org/drawingml/2006/main" xmlns:r="http://schemas.openxmlformats.org/officeDocument/2006/relationships" xmlns:p14="http://schemas.microsoft.com/office/powerpoint/2010/main" xmlns:a14="http://schemas.microsoft.com/office/drawing/2010/main" xmlns:p15="http://schemas.microsoft.com/office/powerpoint/2012/main" xmlns:p159="http://schemas.microsoft.com/office/powerpoint/2015/09/main" xmlns:p="http://schemas.openxmlformats.org/presentationml/2006/main" type="titleOnly" preserve="1">
+<p:sldLayout xmlns:a="http://schemas.openxmlformats.org/drawingml/2006/main" xmlns:r="http://schemas.openxmlformats.org/officeDocument/2006/relationships" xmlns:m="http://schemas.openxmlformats.org/officeDocument/2006/math" xmlns:w="http://schemas.openxmlformats.org/wordprocessingml/2006/main" xmlns:wp="http://schemas.openxmlformats.org/drawingml/2006/wordprocessingDrawing" xmlns:a14="http://schemas.microsoft.com/office/drawing/2010/main" xmlns:mc="http://schemas.openxmlformats.org/markup-compatibility/2006" xmlns:p14="http://schemas.microsoft.com/office/powerpoint/2010/main" xmlns:p15="http://schemas.microsoft.com/office/powerpoint/2012/main" xmlns:p159="http://schemas.microsoft.com/office/powerpoint/2015/09/main" xmlns:p="http://schemas.openxmlformats.org/presentationml/2006/main" type="titleOnly" preserve="1">
   <p:cSld name="Title Only">
     <p:spTree>
       <p:nvGrpSpPr>
-        <p:cNvPr id="1" name=""/>
+        <p:cNvPr id="1" name="" title=""/>
         <p:cNvGrpSpPr/>
         <p:nvPr/>
       </p:nvGrpSpPr>
@@ -1885,7 +1885,7 @@
       </p:grpSpPr>
       <p:sp>
         <p:nvSpPr>
-          <p:cNvPr id="2" name="Title 1"/>
+          <p:cNvPr id="2" name="Title 1" title=""/>
           <p:cNvSpPr>
             <a:spLocks noGrp="1"/>
           </p:cNvSpPr>
@@ -1908,7 +1908,7 @@
       </p:sp>
       <p:sp>
         <p:nvSpPr>
-          <p:cNvPr id="3" name="Date Placeholder 2"/>
+          <p:cNvPr id="3" name="Date Placeholder 2" title=""/>
           <p:cNvSpPr>
             <a:spLocks noGrp="1"/>
           </p:cNvSpPr>
@@ -1921,7 +1921,7 @@
           <a:bodyPr/>
           <a:lstStyle/>
           <a:p>
-            <a:fld id="{726DEB71-BA6B-495C-81E7-4280F4649269}" type="datetimeFigureOut">
+            <a:fld id="{D15B797D-4CF3-4250-A63C-11B154950F66}" type="datetimeFigureOut">
               <a:rPr lang="en-US" smtClean="0"/>
               <a:t>11/7/2009</a:t>
             </a:fld>
@@ -1931,7 +1931,7 @@
       </p:sp>
       <p:sp>
         <p:nvSpPr>
-          <p:cNvPr id="4" name="Footer Placeholder 3"/>
+          <p:cNvPr id="4" name="Footer Placeholder 3" title=""/>
           <p:cNvSpPr>
             <a:spLocks noGrp="1"/>
           </p:cNvSpPr>
@@ -1950,7 +1950,7 @@
       </p:sp>
       <p:sp>
         <p:nvSpPr>
-          <p:cNvPr id="5" name="Slide Number Placeholder 4"/>
+          <p:cNvPr id="5" name="Slide Number Placeholder 4" title=""/>
           <p:cNvSpPr>
             <a:spLocks noGrp="1"/>
           </p:cNvSpPr>
@@ -1982,11 +1982,11 @@
 </file>
 
 <file path=ppt/slideLayouts/slideLayout7.xml><?xml version="1.0" encoding="utf-8"?>
-<p:sldLayout xmlns:a="http://schemas.openxmlformats.org/drawingml/2006/main" xmlns:r="http://schemas.openxmlformats.org/officeDocument/2006/relationships" xmlns:p14="http://schemas.microsoft.com/office/powerpoint/2010/main" xmlns:a14="http://schemas.microsoft.com/office/drawing/2010/main" xmlns:p15="http://schemas.microsoft.com/office/powerpoint/2012/main" xmlns:p159="http://schemas.microsoft.com/office/powerpoint/2015/09/main" xmlns:p="http://schemas.openxmlformats.org/presentationml/2006/main" type="blank" preserve="1">
+<p:sldLayout xmlns:a="http://schemas.openxmlformats.org/drawingml/2006/main" xmlns:r="http://schemas.openxmlformats.org/officeDocument/2006/relationships" xmlns:m="http://schemas.openxmlformats.org/officeDocument/2006/math" xmlns:w="http://schemas.openxmlformats.org/wordprocessingml/2006/main" xmlns:wp="http://schemas.openxmlformats.org/drawingml/2006/wordprocessingDrawing" xmlns:a14="http://schemas.microsoft.com/office/drawing/2010/main" xmlns:mc="http://schemas.openxmlformats.org/markup-compatibility/2006" xmlns:p14="http://schemas.microsoft.com/office/powerpoint/2010/main" xmlns:p15="http://schemas.microsoft.com/office/powerpoint/2012/main" xmlns:p159="http://schemas.microsoft.com/office/powerpoint/2015/09/main" xmlns:p="http://schemas.openxmlformats.org/presentationml/2006/main" type="blank" preserve="1">
   <p:cSld name="Blank">
     <p:spTree>
       <p:nvGrpSpPr>
-        <p:cNvPr id="1" name=""/>
+        <p:cNvPr id="1" name="" title=""/>
         <p:cNvGrpSpPr/>
         <p:nvPr/>
       </p:nvGrpSpPr>
@@ -1998,7 +1998,7 @@
       </p:grpSpPr>
       <p:sp>
         <p:nvSpPr>
-          <p:cNvPr id="2" name="Date Placeholder 1"/>
+          <p:cNvPr id="2" name="Date Placeholder 1" title=""/>
           <p:cNvSpPr>
             <a:spLocks noGrp="1"/>
           </p:cNvSpPr>
@@ -2011,7 +2011,7 @@
           <a:bodyPr/>
           <a:lstStyle/>
           <a:p>
-            <a:fld id="{B5B29A54-91E5-4FB7-B954-6380FB71F5CD}" type="datetimeFigureOut">
+            <a:fld id="{FF681045-1EB1-4BA6-A35C-2E5E1B441779}" type="datetimeFigureOut">
               <a:rPr lang="en-US" smtClean="0"/>
               <a:t>11/7/2009</a:t>
             </a:fld>
@@ -2021,7 +2021,7 @@
       </p:sp>
       <p:sp>
         <p:nvSpPr>
-          <p:cNvPr id="3" name="Footer Placeholder 2"/>
+          <p:cNvPr id="3" name="Footer Placeholder 2" title=""/>
           <p:cNvSpPr>
             <a:spLocks noGrp="1"/>
           </p:cNvSpPr>
@@ -2040,7 +2040,7 @@
       </p:sp>
       <p:sp>
         <p:nvSpPr>
-          <p:cNvPr id="4" name="Slide Number Placeholder 3"/>
+          <p:cNvPr id="4" name="Slide Number Placeholder 3" title=""/>
           <p:cNvSpPr>
             <a:spLocks noGrp="1"/>
           </p:cNvSpPr>
@@ -2072,11 +2072,11 @@
 </file>
 
 <file path=ppt/slideLayouts/slideLayout8.xml><?xml version="1.0" encoding="utf-8"?>
-<p:sldLayout xmlns:a="http://schemas.openxmlformats.org/drawingml/2006/main" xmlns:r="http://schemas.openxmlformats.org/officeDocument/2006/relationships" xmlns:p14="http://schemas.microsoft.com/office/powerpoint/2010/main" xmlns:a14="http://schemas.microsoft.com/office/drawing/2010/main" xmlns:p15="http://schemas.microsoft.com/office/powerpoint/2012/main" xmlns:p159="http://schemas.microsoft.com/office/powerpoint/2015/09/main" xmlns:p="http://schemas.openxmlformats.org/presentationml/2006/main" type="objTx" preserve="1">
+<p:sldLayout xmlns:a="http://schemas.openxmlformats.org/drawingml/2006/main" xmlns:r="http://schemas.openxmlformats.org/officeDocument/2006/relationships" xmlns:m="http://schemas.openxmlformats.org/officeDocument/2006/math" xmlns:w="http://schemas.openxmlformats.org/wordprocessingml/2006/main" xmlns:wp="http://schemas.openxmlformats.org/drawingml/2006/wordprocessingDrawing" xmlns:a14="http://schemas.microsoft.com/office/drawing/2010/main" xmlns:mc="http://schemas.openxmlformats.org/markup-compatibility/2006" xmlns:p14="http://schemas.microsoft.com/office/powerpoint/2010/main" xmlns:p15="http://schemas.microsoft.com/office/powerpoint/2012/main" xmlns:p159="http://schemas.microsoft.com/office/powerpoint/2015/09/main" xmlns:p="http://schemas.openxmlformats.org/presentationml/2006/main" type="objTx" preserve="1">
   <p:cSld name="Content with Caption">
     <p:spTree>
       <p:nvGrpSpPr>
-        <p:cNvPr id="1" name=""/>
+        <p:cNvPr id="1" name="" title=""/>
         <p:cNvGrpSpPr/>
         <p:nvPr/>
       </p:nvGrpSpPr>
@@ -2088,7 +2088,7 @@
       </p:grpSpPr>
       <p:sp>
         <p:nvSpPr>
-          <p:cNvPr id="2" name="Title 1"/>
+          <p:cNvPr id="2" name="Title 1" title=""/>
           <p:cNvSpPr>
             <a:spLocks noGrp="1"/>
           </p:cNvSpPr>
@@ -2115,7 +2115,7 @@
       </p:sp>
       <p:sp>
         <p:nvSpPr>
-          <p:cNvPr id="3" name="Content Placeholder 2"/>
+          <p:cNvPr id="3" name="Content Placeholder 2" title=""/>
           <p:cNvSpPr>
             <a:spLocks noGrp="1"/>
           </p:cNvSpPr>
@@ -2194,7 +2194,7 @@
       </p:sp>
       <p:sp>
         <p:nvSpPr>
-          <p:cNvPr id="4" name="Text Placeholder 3"/>
+          <p:cNvPr id="4" name="Text Placeholder 3" title=""/>
           <p:cNvSpPr>
             <a:spLocks noGrp="1"/>
           </p:cNvSpPr>
@@ -2253,7 +2253,7 @@
       </p:sp>
       <p:sp>
         <p:nvSpPr>
-          <p:cNvPr id="5" name="Date Placeholder 4"/>
+          <p:cNvPr id="5" name="Date Placeholder 4" title=""/>
           <p:cNvSpPr>
             <a:spLocks noGrp="1"/>
           </p:cNvSpPr>
@@ -2266,7 +2266,7 @@
           <a:bodyPr/>
           <a:lstStyle/>
           <a:p>
-            <a:fld id="{C52075EC-37E9-49F5-AEA3-B4D214765F57}" type="datetimeFigureOut">
+            <a:fld id="{AA0DD980-9950-42DC-B7E1-DDDEF1C2EF33}" type="datetimeFigureOut">
               <a:rPr lang="en-US" smtClean="0"/>
               <a:t>11/7/2009</a:t>
             </a:fld>
@@ -2276,7 +2276,7 @@
       </p:sp>
       <p:sp>
         <p:nvSpPr>
-          <p:cNvPr id="6" name="Footer Placeholder 5"/>
+          <p:cNvPr id="6" name="Footer Placeholder 5" title=""/>
           <p:cNvSpPr>
             <a:spLocks noGrp="1"/>
           </p:cNvSpPr>
@@ -2295,7 +2295,7 @@
       </p:sp>
       <p:sp>
         <p:nvSpPr>
-          <p:cNvPr id="7" name="Slide Number Placeholder 6"/>
+          <p:cNvPr id="7" name="Slide Number Placeholder 6" title=""/>
           <p:cNvSpPr>
             <a:spLocks noGrp="1"/>
           </p:cNvSpPr>
@@ -2327,11 +2327,11 @@
 </file>
 
 <file path=ppt/slideLayouts/slideLayout9.xml><?xml version="1.0" encoding="utf-8"?>
-<p:sldLayout xmlns:a="http://schemas.openxmlformats.org/drawingml/2006/main" xmlns:r="http://schemas.openxmlformats.org/officeDocument/2006/relationships" xmlns:p14="http://schemas.microsoft.com/office/powerpoint/2010/main" xmlns:a14="http://schemas.microsoft.com/office/drawing/2010/main" xmlns:p15="http://schemas.microsoft.com/office/powerpoint/2012/main" xmlns:p159="http://schemas.microsoft.com/office/powerpoint/2015/09/main" xmlns:p="http://schemas.openxmlformats.org/presentationml/2006/main" type="picTx" preserve="1">
+<p:sldLayout xmlns:a="http://schemas.openxmlformats.org/drawingml/2006/main" xmlns:r="http://schemas.openxmlformats.org/officeDocument/2006/relationships" xmlns:m="http://schemas.openxmlformats.org/officeDocument/2006/math" xmlns:w="http://schemas.openxmlformats.org/wordprocessingml/2006/main" xmlns:wp="http://schemas.openxmlformats.org/drawingml/2006/wordprocessingDrawing" xmlns:a14="http://schemas.microsoft.com/office/drawing/2010/main" xmlns:mc="http://schemas.openxmlformats.org/markup-compatibility/2006" xmlns:p14="http://schemas.microsoft.com/office/powerpoint/2010/main" xmlns:p15="http://schemas.microsoft.com/office/powerpoint/2012/main" xmlns:p159="http://schemas.microsoft.com/office/powerpoint/2015/09/main" xmlns:p="http://schemas.openxmlformats.org/presentationml/2006/main" type="picTx" preserve="1">
   <p:cSld name="Picture with Caption">
     <p:spTree>
       <p:nvGrpSpPr>
-        <p:cNvPr id="1" name=""/>
+        <p:cNvPr id="1" name="" title=""/>
         <p:cNvGrpSpPr/>
         <p:nvPr/>
       </p:nvGrpSpPr>
@@ -2343,7 +2343,7 @@
       </p:grpSpPr>
       <p:sp>
         <p:nvSpPr>
-          <p:cNvPr id="2" name="Title 1"/>
+          <p:cNvPr id="2" name="Title 1" title=""/>
           <p:cNvSpPr>
             <a:spLocks noGrp="1"/>
           </p:cNvSpPr>
@@ -2370,7 +2370,7 @@
       </p:sp>
       <p:sp>
         <p:nvSpPr>
-          <p:cNvPr id="3" name="Picture Placeholder 2"/>
+          <p:cNvPr id="3" name="Picture Placeholder 2" title=""/>
           <p:cNvSpPr>
             <a:spLocks noGrp="1"/>
           </p:cNvSpPr>
@@ -2426,7 +2426,7 @@
       </p:sp>
       <p:sp>
         <p:nvSpPr>
-          <p:cNvPr id="4" name="Text Placeholder 3"/>
+          <p:cNvPr id="4" name="Text Placeholder 3" title=""/>
           <p:cNvSpPr>
             <a:spLocks noGrp="1"/>
           </p:cNvSpPr>
@@ -2485,7 +2485,7 @@
       </p:sp>
       <p:sp>
         <p:nvSpPr>
-          <p:cNvPr id="5" name="Date Placeholder 4"/>
+          <p:cNvPr id="5" name="Date Placeholder 4" title=""/>
           <p:cNvSpPr>
             <a:spLocks noGrp="1"/>
           </p:cNvSpPr>
@@ -2498,7 +2498,7 @@
           <a:bodyPr/>
           <a:lstStyle/>
           <a:p>
-            <a:fld id="{A4366105-4A72-4108-AC10-B9D18F6BFD3E}" type="datetimeFigureOut">
+            <a:fld id="{A7408592-096A-44F3-BC98-A86300E36CA5}" type="datetimeFigureOut">
               <a:rPr lang="en-US" smtClean="0"/>
               <a:t>11/7/2009</a:t>
             </a:fld>
@@ -2508,7 +2508,7 @@
       </p:sp>
       <p:sp>
         <p:nvSpPr>
-          <p:cNvPr id="6" name="Footer Placeholder 5"/>
+          <p:cNvPr id="6" name="Footer Placeholder 5" title=""/>
           <p:cNvSpPr>
             <a:spLocks noGrp="1"/>
           </p:cNvSpPr>
@@ -2527,7 +2527,7 @@
       </p:sp>
       <p:sp>
         <p:nvSpPr>
-          <p:cNvPr id="7" name="Slide Number Placeholder 6"/>
+          <p:cNvPr id="7" name="Slide Number Placeholder 6" title=""/>
           <p:cNvSpPr>
             <a:spLocks noGrp="1"/>
           </p:cNvSpPr>
@@ -2559,7 +2559,7 @@
 </file>
 
 <file path=ppt/slideMasters/slideMaster1.xml><?xml version="1.0" encoding="utf-8"?>
-<p:sldMaster xmlns:a="http://schemas.openxmlformats.org/drawingml/2006/main" xmlns:r="http://schemas.openxmlformats.org/officeDocument/2006/relationships" xmlns:p14="http://schemas.microsoft.com/office/powerpoint/2010/main" xmlns:a14="http://schemas.microsoft.com/office/drawing/2010/main" xmlns:p15="http://schemas.microsoft.com/office/powerpoint/2012/main" xmlns:p159="http://schemas.microsoft.com/office/powerpoint/2015/09/main" xmlns:p="http://schemas.openxmlformats.org/presentationml/2006/main">
+<p:sldMaster xmlns:a="http://schemas.openxmlformats.org/drawingml/2006/main" xmlns:r="http://schemas.openxmlformats.org/officeDocument/2006/relationships" xmlns:m="http://schemas.openxmlformats.org/officeDocument/2006/math" xmlns:w="http://schemas.openxmlformats.org/wordprocessingml/2006/main" xmlns:wp="http://schemas.openxmlformats.org/drawingml/2006/wordprocessingDrawing" xmlns:a14="http://schemas.microsoft.com/office/drawing/2010/main" xmlns:mc="http://schemas.openxmlformats.org/markup-compatibility/2006" xmlns:p14="http://schemas.microsoft.com/office/powerpoint/2010/main" xmlns:p15="http://schemas.microsoft.com/office/powerpoint/2012/main" xmlns:p159="http://schemas.microsoft.com/office/powerpoint/2015/09/main" xmlns:p="http://schemas.openxmlformats.org/presentationml/2006/main">
   <p:cSld>
     <p:bg>
       <p:bgRef idx="1001">
@@ -2568,7 +2568,7 @@
     </p:bg>
     <p:spTree>
       <p:nvGrpSpPr>
-        <p:cNvPr id="1" name=""/>
+        <p:cNvPr id="1" name="" title=""/>
         <p:cNvGrpSpPr/>
         <p:nvPr/>
       </p:nvGrpSpPr>
@@ -2580,7 +2580,7 @@
       </p:grpSpPr>
       <p:sp>
         <p:nvSpPr>
-          <p:cNvPr id="2" name="Title Placeholder 1"/>
+          <p:cNvPr id="2" name="Title Placeholder 1" title=""/>
           <p:cNvSpPr>
             <a:spLocks noGrp="1"/>
           </p:cNvSpPr>
@@ -2613,7 +2613,7 @@
       </p:sp>
       <p:sp>
         <p:nvSpPr>
-          <p:cNvPr id="3" name="Text Placeholder 2"/>
+          <p:cNvPr id="3" name="Text Placeholder 2" title=""/>
           <p:cNvSpPr>
             <a:spLocks noGrp="1"/>
           </p:cNvSpPr>
@@ -2674,7 +2674,7 @@
       </p:sp>
       <p:sp>
         <p:nvSpPr>
-          <p:cNvPr id="4" name="Date Placeholder 3"/>
+          <p:cNvPr id="4" name="Date Placeholder 3" title=""/>
           <p:cNvSpPr>
             <a:spLocks noGrp="1"/>
           </p:cNvSpPr>
@@ -2715,7 +2715,7 @@
       </p:sp>
       <p:sp>
         <p:nvSpPr>
-          <p:cNvPr id="5" name="Footer Placeholder 4"/>
+          <p:cNvPr id="5" name="Footer Placeholder 4" title=""/>
           <p:cNvSpPr>
             <a:spLocks noGrp="1"/>
           </p:cNvSpPr>
@@ -2752,7 +2752,7 @@
       </p:sp>
       <p:sp>
         <p:nvSpPr>
-          <p:cNvPr id="6" name="Slide Number Placeholder 5"/>
+          <p:cNvPr id="6" name="Slide Number Placeholder 5" title=""/>
           <p:cNvSpPr>
             <a:spLocks noGrp="1"/>
           </p:cNvSpPr>
@@ -3063,11 +3063,11 @@
 </file>
 
 <file path=ppt/slides/slide1.xml><?xml version="1.0" encoding="utf-8"?>
-<p:sld xmlns:a="http://schemas.openxmlformats.org/drawingml/2006/main" xmlns:r="http://schemas.openxmlformats.org/officeDocument/2006/relationships" xmlns:p14="http://schemas.microsoft.com/office/powerpoint/2010/main" xmlns:a14="http://schemas.microsoft.com/office/drawing/2010/main" xmlns:p15="http://schemas.microsoft.com/office/powerpoint/2012/main" xmlns:p159="http://schemas.microsoft.com/office/powerpoint/2015/09/main" xmlns:p="http://schemas.openxmlformats.org/presentationml/2006/main">
+<p:sld xmlns:a="http://schemas.openxmlformats.org/drawingml/2006/main" xmlns:r="http://schemas.openxmlformats.org/officeDocument/2006/relationships" xmlns:m="http://schemas.openxmlformats.org/officeDocument/2006/math" xmlns:w="http://schemas.openxmlformats.org/wordprocessingml/2006/main" xmlns:wp="http://schemas.openxmlformats.org/drawingml/2006/wordprocessingDrawing" xmlns:a14="http://schemas.microsoft.com/office/drawing/2010/main" xmlns:mc="http://schemas.openxmlformats.org/markup-compatibility/2006" xmlns:p14="http://schemas.microsoft.com/office/powerpoint/2010/main" xmlns:p15="http://schemas.microsoft.com/office/powerpoint/2012/main" xmlns:p159="http://schemas.microsoft.com/office/powerpoint/2015/09/main" xmlns:p="http://schemas.openxmlformats.org/presentationml/2006/main">
   <p:cSld name="">
     <p:spTree>
       <p:nvGrpSpPr>
-        <p:cNvPr id="1" name=""/>
+        <p:cNvPr id="1" name="" title=""/>
         <p:cNvGrpSpPr/>
         <p:nvPr/>
       </p:nvGrpSpPr>
@@ -3079,7 +3079,7 @@
       </p:grpSpPr>
       <p:graphicFrame>
         <p:nvGraphicFramePr>
-          <p:cNvPr id="2" name="ChartObject"/>
+          <p:cNvPr id="2" name="ChartObject" title=""/>
           <p:cNvGraphicFramePr/>
           <p:nvPr/>
         </p:nvGraphicFramePr>
@@ -3093,6 +3093,77 @@
           </a:graphicData>
         </a:graphic>
       </p:graphicFrame>
+      <p:sp>
+        <p:nvSpPr>
+          <p:cNvPr id="3" name="TextBox"/>
+          <p:cNvSpPr txBox="1">
+            <a:spLocks noGrp="1" noSelect="1" noRot="1" noMove="1"/>
+          </p:cNvSpPr>
+          <p:nvPr/>
+        </p:nvSpPr>
+        <p:spPr>
+          <a:xfrm>
+            <a:off x="1366520" y="2644140"/>
+            <a:ext cx="6411372" cy="1569660"/>
+          </a:xfrm>
+          <a:prstGeom prst="rect">
+            <a:avLst/>
+          </a:prstGeom>
+          <a:noFill/>
+        </p:spPr>
+        <p:txBody>
+          <a:bodyPr wrap="none" rtlCol="0" anchor="ctr" anchorCtr="1">
+            <a:spAutoFit/>
+          </a:bodyPr>
+          <a:lstStyle>
+            <a:lvl1pPr algn="l">
+              <a:lnSpc>
+                <a:spcPct val="150000"/>
+              </a:lnSpc>
+              <a:spcBef>
+                <a:spcPct val="0"/>
+              </a:spcBef>
+              <a:spcAft>
+                <a:spcPct val="0"/>
+              </a:spcAft>
+              <a:defRPr lang="en-US" sz="3200" b="1" noProof="1" dirty="0">
+                <a:solidFill>
+                  <a:prstClr val="red">
+                    <a:lumOff val="30000"/>
+                    <a:alpha val="40000"/>
+                  </a:prstClr>
+                </a:solidFill>
+                <a:effectLst>
+                  <a:outerShdw blurRad="50800" dist="38100" algn="tr" rotWithShape="0">
+                    <a:prstClr val="black">
+                      <a:alpha val="80000"/>
+                    </a:prstClr>
+                  </a:outerShdw>
+                </a:effectLst>
+                <a:latin typeface="Calibri" pitchFamily="34" charset="0"/>
+              </a:defRPr>
+            </a:lvl1pPr>
+          </a:lstStyle>
+          <a:p>
+            <a:pPr algn="ctr"/>
+            <a:r>
+              <a:t>Evaluation only.</a:t>
+            </a:r>
+          </a:p>
+          <a:p>
+            <a:pPr algn="ctr"/>
+            <a:r>
+              <a:t>Created with Aspose.Slides for .NET 4.0 Client Profile 21.12.</a:t>
+            </a:r>
+          </a:p>
+          <a:p>
+            <a:pPr algn="ctr"/>
+            <a:r>
+              <a:t>Copyright 2004-2021Aspose Pty Ltd.</a:t>
+            </a:r>
+          </a:p>
+        </p:txBody>
+      </p:sp>
     </p:spTree>
   </p:cSld>
   <p:clrMapOvr>
@@ -3106,10 +3177,10 @@
 <file path=ppt/tags/tag1.xml><?xml version="1.0" encoding="utf-8"?>
 <p:tagLst xmlns:p="http://schemas.openxmlformats.org/presentationml/2006/main">
   <p:tag name="AS_NET" val="4.0.30319.42000"/>
-  <p:tag name="AS_OS" val="Microsoft Windows NT 6.2.9200.0"/>
-  <p:tag name="AS_RELEASE_DATE" val="2019.06.14"/>
+  <p:tag name="AS_OS" val="Microsoft Windows NT 6.3.9600.0"/>
+  <p:tag name="AS_RELEASE_DATE" val="2021.12.14"/>
   <p:tag name="AS_TITLE" val="Aspose.Slides for .NET 4.0 Client Profile"/>
-  <p:tag name="AS_VERSION" val="19.6"/>
+  <p:tag name="AS_VERSION" val="21.12"/>
 </p:tagLst>
 </file>
 
